--- a/Pacman_game/материал/Pac-man.pptx
+++ b/Pacman_game/материал/Pac-man.pptx
@@ -12,7 +12,8 @@
     <p:sldId id="264" r:id="rId6"/>
     <p:sldId id="262" r:id="rId7"/>
     <p:sldId id="263" r:id="rId8"/>
-    <p:sldId id="265" r:id="rId9"/>
+    <p:sldId id="266" r:id="rId9"/>
+    <p:sldId id="265" r:id="rId10"/>
   </p:sldIdLst>
   <p:sldSz cx="9144000" cy="6858000" type="screen4x3"/>
   <p:notesSz cx="6858000" cy="9144000"/>
@@ -4715,14 +4716,7 @@
                 <a:latin typeface="Times New Roman" panose="02020603050405020304" pitchFamily="18" charset="0"/>
                 <a:cs typeface="Times New Roman" panose="02020603050405020304" pitchFamily="18" charset="0"/>
               </a:rPr>
-              <a:t>Проект </a:t>
-            </a:r>
-            <a:r>
-              <a:rPr lang="ru-RU" sz="1400" dirty="0" smtClean="0">
-                <a:latin typeface="Times New Roman" panose="02020603050405020304" pitchFamily="18" charset="0"/>
-                <a:cs typeface="Times New Roman" panose="02020603050405020304" pitchFamily="18" charset="0"/>
-              </a:rPr>
-              <a:t>подготовили:</a:t>
+              <a:t>Проект подготовили:</a:t>
             </a:r>
           </a:p>
           <a:p>
@@ -4948,11 +4942,7 @@
             </a:r>
             <a:r>
               <a:rPr lang="ru-RU" dirty="0" smtClean="0"/>
-              <a:t>выполняемые кодом функции игры</a:t>
-            </a:r>
-            <a:r>
-              <a:rPr lang="ru-RU" dirty="0" smtClean="0"/>
-              <a:t>;</a:t>
+              <a:t>выполняемые кодом функции игры;</a:t>
             </a:r>
             <a:endParaRPr lang="ru-RU" dirty="0"/>
           </a:p>
@@ -5002,7 +4992,6 @@
               <a:rPr lang="ru-RU" dirty="0" smtClean="0"/>
               <a:t>игры; </a:t>
             </a:r>
-            <a:endParaRPr lang="ru-RU" dirty="0" smtClean="0"/>
           </a:p>
           <a:p>
             <a:pPr marL="285750" lvl="0" indent="-285750">
@@ -5134,11 +5123,7 @@
             </a:r>
             <a:r>
               <a:rPr lang="ru-RU" dirty="0" smtClean="0"/>
-              <a:t>компьютерных игр, </a:t>
-            </a:r>
-            <a:r>
-              <a:rPr lang="ru-RU" dirty="0" smtClean="0"/>
-              <a:t>которые по большей части отвлекают, нежели помогают, но многие старые игры были призваны помогать людям в различных сферах жизни. Одной из таких игр является аркадная игра </a:t>
+              <a:t>компьютерных игр, которые по большей части отвлекают, нежели помогают, но многие старые игры были призваны помогать людям в различных сферах жизни. Одной из таких игр является аркадная игра </a:t>
             </a:r>
             <a:r>
               <a:rPr lang="en-US" dirty="0" smtClean="0"/>
@@ -5792,6 +5777,149 @@
 </file>
 
 <file path=ppt/slides/slide8.xml><?xml version="1.0" encoding="utf-8"?>
+<p:sld xmlns:a="http://schemas.openxmlformats.org/drawingml/2006/main" xmlns:r="http://schemas.openxmlformats.org/officeDocument/2006/relationships" xmlns:p="http://schemas.openxmlformats.org/presentationml/2006/main">
+  <p:cSld>
+    <p:spTree>
+      <p:nvGrpSpPr>
+        <p:cNvPr id="1" name=""/>
+        <p:cNvGrpSpPr/>
+        <p:nvPr/>
+      </p:nvGrpSpPr>
+      <p:grpSpPr>
+        <a:xfrm>
+          <a:off x="0" y="0"/>
+          <a:ext cx="0" cy="0"/>
+          <a:chOff x="0" y="0"/>
+          <a:chExt cx="0" cy="0"/>
+        </a:xfrm>
+      </p:grpSpPr>
+      <p:sp>
+        <p:nvSpPr>
+          <p:cNvPr id="2" name="Заголовок 1"/>
+          <p:cNvSpPr>
+            <a:spLocks noGrp="1"/>
+          </p:cNvSpPr>
+          <p:nvPr>
+            <p:ph type="title"/>
+          </p:nvPr>
+        </p:nvSpPr>
+        <p:spPr/>
+        <p:txBody>
+          <a:bodyPr/>
+          <a:lstStyle/>
+          <a:p>
+            <a:r>
+              <a:rPr lang="ru-RU" dirty="0" smtClean="0"/>
+              <a:t>Структура кода</a:t>
+            </a:r>
+            <a:endParaRPr lang="ru-RU" dirty="0"/>
+          </a:p>
+        </p:txBody>
+      </p:sp>
+      <p:sp>
+        <p:nvSpPr>
+          <p:cNvPr id="3" name="Стрелка влево 2">
+            <a:hlinkClick r:id="rId2" action="ppaction://hlinksldjump"/>
+          </p:cNvPr>
+          <p:cNvSpPr/>
+          <p:nvPr/>
+        </p:nvSpPr>
+        <p:spPr>
+          <a:xfrm>
+            <a:off x="467544" y="6237312"/>
+            <a:ext cx="360040" cy="288032"/>
+          </a:xfrm>
+          <a:prstGeom prst="leftArrow">
+            <a:avLst/>
+          </a:prstGeom>
+        </p:spPr>
+        <p:style>
+          <a:lnRef idx="2">
+            <a:schemeClr val="accent1">
+              <a:shade val="50000"/>
+            </a:schemeClr>
+          </a:lnRef>
+          <a:fillRef idx="1">
+            <a:schemeClr val="accent1"/>
+          </a:fillRef>
+          <a:effectRef idx="0">
+            <a:schemeClr val="accent1"/>
+          </a:effectRef>
+          <a:fontRef idx="minor">
+            <a:schemeClr val="lt1"/>
+          </a:fontRef>
+        </p:style>
+        <p:txBody>
+          <a:bodyPr rtlCol="0" anchor="ctr"/>
+          <a:lstStyle/>
+          <a:p>
+            <a:pPr algn="ctr"/>
+            <a:endParaRPr lang="ru-RU"/>
+          </a:p>
+        </p:txBody>
+      </p:sp>
+      <p:pic>
+        <p:nvPicPr>
+          <p:cNvPr id="1026" name="Picture 2" descr="C:\Users\VV\Documents\Pacman\Pacman_game\материал\Код_Title.png"/>
+          <p:cNvPicPr>
+            <a:picLocks noChangeAspect="1" noChangeArrowheads="1"/>
+          </p:cNvPicPr>
+          <p:nvPr/>
+        </p:nvPicPr>
+        <p:blipFill>
+          <a:blip r:embed="rId3">
+            <a:extLst>
+              <a:ext uri="{28A0092B-C50C-407E-A947-70E740481C1C}">
+                <a14:useLocalDpi xmlns:a14="http://schemas.microsoft.com/office/drawing/2010/main" val="0"/>
+              </a:ext>
+            </a:extLst>
+          </a:blip>
+          <a:srcRect/>
+          <a:stretch>
+            <a:fillRect/>
+          </a:stretch>
+        </p:blipFill>
+        <p:spPr bwMode="auto">
+          <a:xfrm>
+            <a:off x="1475656" y="1774053"/>
+            <a:ext cx="6336704" cy="4319520"/>
+          </a:xfrm>
+          <a:prstGeom prst="rect">
+            <a:avLst/>
+          </a:prstGeom>
+          <a:noFill/>
+          <a:extLst>
+            <a:ext uri="{909E8E84-426E-40DD-AFC4-6F175D3DCCD1}">
+              <a14:hiddenFill xmlns:a14="http://schemas.microsoft.com/office/drawing/2010/main">
+                <a:solidFill>
+                  <a:srgbClr val="FFFFFF"/>
+                </a:solidFill>
+              </a14:hiddenFill>
+            </a:ext>
+          </a:extLst>
+        </p:spPr>
+      </p:pic>
+    </p:spTree>
+    <p:extLst>
+      <p:ext uri="{BB962C8B-B14F-4D97-AF65-F5344CB8AC3E}">
+        <p14:creationId xmlns:p14="http://schemas.microsoft.com/office/powerpoint/2010/main" val="2981248530"/>
+      </p:ext>
+    </p:extLst>
+  </p:cSld>
+  <p:clrMapOvr>
+    <a:masterClrMapping/>
+  </p:clrMapOvr>
+  <p:timing>
+    <p:tnLst>
+      <p:par>
+        <p:cTn id="1" dur="indefinite" restart="never" nodeType="tmRoot"/>
+      </p:par>
+    </p:tnLst>
+  </p:timing>
+</p:sld>
+</file>
+
+<file path=ppt/slides/slide9.xml><?xml version="1.0" encoding="utf-8"?>
 <p:sld xmlns:a="http://schemas.openxmlformats.org/drawingml/2006/main" xmlns:r="http://schemas.openxmlformats.org/officeDocument/2006/relationships" xmlns:p="http://schemas.openxmlformats.org/presentationml/2006/main">
   <p:cSld>
     <p:spTree>
